--- a/Helm vs Kustomize.pptx
+++ b/Helm vs Kustomize.pptx
@@ -17,6 +17,15 @@
     <p:sldId id="270" r:id="rId11"/>
     <p:sldId id="265" r:id="rId12"/>
     <p:sldId id="266" r:id="rId13"/>
+    <p:sldId id="271" r:id="rId14"/>
+    <p:sldId id="272" r:id="rId15"/>
+    <p:sldId id="273" r:id="rId16"/>
+    <p:sldId id="274" r:id="rId17"/>
+    <p:sldId id="275" r:id="rId18"/>
+    <p:sldId id="281" r:id="rId19"/>
+    <p:sldId id="276" r:id="rId20"/>
+    <p:sldId id="278" r:id="rId21"/>
+    <p:sldId id="277" r:id="rId22"/>
   </p:sldIdLst>
   <p:sldSz cx="12192000" cy="6858000"/>
   <p:notesSz cx="6858000" cy="9144000"/>
@@ -115,6 +124,11 @@
       </a:defRPr>
     </a:lvl9pPr>
   </p:defaultTextStyle>
+  <p:extLst>
+    <p:ext uri="{EFAFB233-063F-42B5-8137-9DF3F51BA10A}">
+      <p15:sldGuideLst xmlns:p15="http://schemas.microsoft.com/office/powerpoint/2012/main"/>
+    </p:ext>
+  </p:extLst>
 </p:presentation>
 </file>
 
@@ -249,7 +263,7 @@
           <a:p>
             <a:fld id="{EFC1D2A1-ABF1-A241-9B3D-CAC617B89570}" type="datetimeFigureOut">
               <a:rPr lang="en-US" smtClean="0"/>
-              <a:t>11/11/23</a:t>
+              <a:t>11/12/23</a:t>
             </a:fld>
             <a:endParaRPr lang="en-US"/>
           </a:p>
@@ -419,7 +433,7 @@
           <a:p>
             <a:fld id="{EFC1D2A1-ABF1-A241-9B3D-CAC617B89570}" type="datetimeFigureOut">
               <a:rPr lang="en-US" smtClean="0"/>
-              <a:t>11/11/23</a:t>
+              <a:t>11/12/23</a:t>
             </a:fld>
             <a:endParaRPr lang="en-US"/>
           </a:p>
@@ -599,7 +613,7 @@
           <a:p>
             <a:fld id="{EFC1D2A1-ABF1-A241-9B3D-CAC617B89570}" type="datetimeFigureOut">
               <a:rPr lang="en-US" smtClean="0"/>
-              <a:t>11/11/23</a:t>
+              <a:t>11/12/23</a:t>
             </a:fld>
             <a:endParaRPr lang="en-US"/>
           </a:p>
@@ -769,7 +783,7 @@
           <a:p>
             <a:fld id="{EFC1D2A1-ABF1-A241-9B3D-CAC617B89570}" type="datetimeFigureOut">
               <a:rPr lang="en-US" smtClean="0"/>
-              <a:t>11/11/23</a:t>
+              <a:t>11/12/23</a:t>
             </a:fld>
             <a:endParaRPr lang="en-US"/>
           </a:p>
@@ -1015,7 +1029,7 @@
           <a:p>
             <a:fld id="{EFC1D2A1-ABF1-A241-9B3D-CAC617B89570}" type="datetimeFigureOut">
               <a:rPr lang="en-US" smtClean="0"/>
-              <a:t>11/11/23</a:t>
+              <a:t>11/12/23</a:t>
             </a:fld>
             <a:endParaRPr lang="en-US"/>
           </a:p>
@@ -1247,7 +1261,7 @@
           <a:p>
             <a:fld id="{EFC1D2A1-ABF1-A241-9B3D-CAC617B89570}" type="datetimeFigureOut">
               <a:rPr lang="en-US" smtClean="0"/>
-              <a:t>11/11/23</a:t>
+              <a:t>11/12/23</a:t>
             </a:fld>
             <a:endParaRPr lang="en-US"/>
           </a:p>
@@ -1614,7 +1628,7 @@
           <a:p>
             <a:fld id="{EFC1D2A1-ABF1-A241-9B3D-CAC617B89570}" type="datetimeFigureOut">
               <a:rPr lang="en-US" smtClean="0"/>
-              <a:t>11/11/23</a:t>
+              <a:t>11/12/23</a:t>
             </a:fld>
             <a:endParaRPr lang="en-US"/>
           </a:p>
@@ -1732,7 +1746,7 @@
           <a:p>
             <a:fld id="{EFC1D2A1-ABF1-A241-9B3D-CAC617B89570}" type="datetimeFigureOut">
               <a:rPr lang="en-US" smtClean="0"/>
-              <a:t>11/11/23</a:t>
+              <a:t>11/12/23</a:t>
             </a:fld>
             <a:endParaRPr lang="en-US"/>
           </a:p>
@@ -1827,7 +1841,7 @@
           <a:p>
             <a:fld id="{EFC1D2A1-ABF1-A241-9B3D-CAC617B89570}" type="datetimeFigureOut">
               <a:rPr lang="en-US" smtClean="0"/>
-              <a:t>11/11/23</a:t>
+              <a:t>11/12/23</a:t>
             </a:fld>
             <a:endParaRPr lang="en-US"/>
           </a:p>
@@ -2104,7 +2118,7 @@
           <a:p>
             <a:fld id="{EFC1D2A1-ABF1-A241-9B3D-CAC617B89570}" type="datetimeFigureOut">
               <a:rPr lang="en-US" smtClean="0"/>
-              <a:t>11/11/23</a:t>
+              <a:t>11/12/23</a:t>
             </a:fld>
             <a:endParaRPr lang="en-US"/>
           </a:p>
@@ -2357,7 +2371,7 @@
           <a:p>
             <a:fld id="{EFC1D2A1-ABF1-A241-9B3D-CAC617B89570}" type="datetimeFigureOut">
               <a:rPr lang="en-US" smtClean="0"/>
-              <a:t>11/11/23</a:t>
+              <a:t>11/12/23</a:t>
             </a:fld>
             <a:endParaRPr lang="en-US"/>
           </a:p>
@@ -2570,7 +2584,7 @@
           <a:p>
             <a:fld id="{EFC1D2A1-ABF1-A241-9B3D-CAC617B89570}" type="datetimeFigureOut">
               <a:rPr lang="en-US" smtClean="0"/>
-              <a:t>11/11/23</a:t>
+              <a:t>11/12/23</a:t>
             </a:fld>
             <a:endParaRPr lang="en-US"/>
           </a:p>
@@ -3550,6 +3564,933 @@
 </p:sld>
 </file>
 
+<file path=ppt/slides/slide13.xml><?xml version="1.0" encoding="utf-8"?>
+<p:sld xmlns:a="http://schemas.openxmlformats.org/drawingml/2006/main" xmlns:r="http://schemas.openxmlformats.org/officeDocument/2006/relationships" xmlns:p="http://schemas.openxmlformats.org/presentationml/2006/main">
+  <p:cSld>
+    <p:spTree>
+      <p:nvGrpSpPr>
+        <p:cNvPr id="1" name=""/>
+        <p:cNvGrpSpPr/>
+        <p:nvPr/>
+      </p:nvGrpSpPr>
+      <p:grpSpPr>
+        <a:xfrm>
+          <a:off x="0" y="0"/>
+          <a:ext cx="0" cy="0"/>
+          <a:chOff x="0" y="0"/>
+          <a:chExt cx="0" cy="0"/>
+        </a:xfrm>
+      </p:grpSpPr>
+      <p:sp>
+        <p:nvSpPr>
+          <p:cNvPr id="2" name="Title 1"/>
+          <p:cNvSpPr>
+            <a:spLocks noGrp="1"/>
+          </p:cNvSpPr>
+          <p:nvPr>
+            <p:ph type="title"/>
+          </p:nvPr>
+        </p:nvSpPr>
+        <p:spPr/>
+        <p:txBody>
+          <a:bodyPr/>
+          <a:lstStyle/>
+          <a:p>
+            <a:r>
+              <a:rPr lang="en-US" b="1" dirty="0" smtClean="0"/>
+              <a:t>Managing application properties: </a:t>
+            </a:r>
+            <a:r>
+              <a:rPr lang="en-US" b="1" dirty="0" err="1" smtClean="0"/>
+              <a:t>Kustomize</a:t>
+            </a:r>
+            <a:r>
+              <a:rPr lang="en-US" b="1" dirty="0" smtClean="0"/>
+              <a:t> vs helm</a:t>
+            </a:r>
+            <a:endParaRPr lang="en-US" dirty="0"/>
+          </a:p>
+        </p:txBody>
+      </p:sp>
+      <p:sp>
+        <p:nvSpPr>
+          <p:cNvPr id="3" name="Content Placeholder 2"/>
+          <p:cNvSpPr>
+            <a:spLocks noGrp="1"/>
+          </p:cNvSpPr>
+          <p:nvPr>
+            <p:ph idx="1"/>
+          </p:nvPr>
+        </p:nvSpPr>
+        <p:spPr/>
+        <p:txBody>
+          <a:bodyPr/>
+          <a:lstStyle/>
+          <a:p>
+            <a:endParaRPr lang="en-US" dirty="0"/>
+          </a:p>
+        </p:txBody>
+      </p:sp>
+    </p:spTree>
+    <p:extLst>
+      <p:ext uri="{BB962C8B-B14F-4D97-AF65-F5344CB8AC3E}">
+        <p14:creationId xmlns:p14="http://schemas.microsoft.com/office/powerpoint/2010/main" val="2135952763"/>
+      </p:ext>
+    </p:extLst>
+  </p:cSld>
+  <p:clrMapOvr>
+    <a:masterClrMapping/>
+  </p:clrMapOvr>
+  <p:timing>
+    <p:tnLst>
+      <p:par>
+        <p:cTn id="1" dur="indefinite" restart="never" nodeType="tmRoot"/>
+      </p:par>
+    </p:tnLst>
+  </p:timing>
+</p:sld>
+</file>
+
+<file path=ppt/slides/slide14.xml><?xml version="1.0" encoding="utf-8"?>
+<p:sld xmlns:a="http://schemas.openxmlformats.org/drawingml/2006/main" xmlns:r="http://schemas.openxmlformats.org/officeDocument/2006/relationships" xmlns:p="http://schemas.openxmlformats.org/presentationml/2006/main">
+  <p:cSld>
+    <p:spTree>
+      <p:nvGrpSpPr>
+        <p:cNvPr id="1" name=""/>
+        <p:cNvGrpSpPr/>
+        <p:nvPr/>
+      </p:nvGrpSpPr>
+      <p:grpSpPr>
+        <a:xfrm>
+          <a:off x="0" y="0"/>
+          <a:ext cx="0" cy="0"/>
+          <a:chOff x="0" y="0"/>
+          <a:chExt cx="0" cy="0"/>
+        </a:xfrm>
+      </p:grpSpPr>
+      <p:sp>
+        <p:nvSpPr>
+          <p:cNvPr id="2" name="Title 1"/>
+          <p:cNvSpPr>
+            <a:spLocks noGrp="1"/>
+          </p:cNvSpPr>
+          <p:nvPr>
+            <p:ph type="title"/>
+          </p:nvPr>
+        </p:nvSpPr>
+        <p:spPr/>
+        <p:txBody>
+          <a:bodyPr/>
+          <a:lstStyle/>
+          <a:p>
+            <a:r>
+              <a:rPr lang="en-US" b="1" dirty="0" smtClean="0"/>
+              <a:t>Managing application properties: </a:t>
+            </a:r>
+            <a:r>
+              <a:rPr lang="en-US" b="1" dirty="0" err="1" smtClean="0"/>
+              <a:t>Kustomize</a:t>
+            </a:r>
+            <a:endParaRPr lang="en-US" dirty="0"/>
+          </a:p>
+        </p:txBody>
+      </p:sp>
+      <p:sp>
+        <p:nvSpPr>
+          <p:cNvPr id="3" name="Content Placeholder 2"/>
+          <p:cNvSpPr>
+            <a:spLocks noGrp="1"/>
+          </p:cNvSpPr>
+          <p:nvPr>
+            <p:ph idx="1"/>
+          </p:nvPr>
+        </p:nvSpPr>
+        <p:spPr/>
+        <p:txBody>
+          <a:bodyPr/>
+          <a:lstStyle/>
+          <a:p>
+            <a:r>
+              <a:rPr lang="en-US" b="1" dirty="0"/>
+              <a:t>Project Structure</a:t>
+            </a:r>
+          </a:p>
+          <a:p>
+            <a:pPr marL="0" indent="0">
+              <a:buNone/>
+            </a:pPr>
+            <a:endParaRPr lang="en-US" dirty="0"/>
+          </a:p>
+        </p:txBody>
+      </p:sp>
+      <p:pic>
+        <p:nvPicPr>
+          <p:cNvPr id="4" name="Picture 3"/>
+          <p:cNvPicPr>
+            <a:picLocks noChangeAspect="1"/>
+          </p:cNvPicPr>
+          <p:nvPr/>
+        </p:nvPicPr>
+        <p:blipFill>
+          <a:blip r:embed="rId2"/>
+          <a:stretch>
+            <a:fillRect/>
+          </a:stretch>
+        </p:blipFill>
+        <p:spPr>
+          <a:xfrm>
+            <a:off x="2170168" y="2328863"/>
+            <a:ext cx="8293100" cy="3848100"/>
+          </a:xfrm>
+          <a:prstGeom prst="rect">
+            <a:avLst/>
+          </a:prstGeom>
+        </p:spPr>
+      </p:pic>
+    </p:spTree>
+    <p:extLst>
+      <p:ext uri="{BB962C8B-B14F-4D97-AF65-F5344CB8AC3E}">
+        <p14:creationId xmlns:p14="http://schemas.microsoft.com/office/powerpoint/2010/main" val="2078112399"/>
+      </p:ext>
+    </p:extLst>
+  </p:cSld>
+  <p:clrMapOvr>
+    <a:masterClrMapping/>
+  </p:clrMapOvr>
+  <p:timing>
+    <p:tnLst>
+      <p:par>
+        <p:cTn id="1" dur="indefinite" restart="never" nodeType="tmRoot"/>
+      </p:par>
+    </p:tnLst>
+  </p:timing>
+</p:sld>
+</file>
+
+<file path=ppt/slides/slide15.xml><?xml version="1.0" encoding="utf-8"?>
+<p:sld xmlns:a="http://schemas.openxmlformats.org/drawingml/2006/main" xmlns:r="http://schemas.openxmlformats.org/officeDocument/2006/relationships" xmlns:p="http://schemas.openxmlformats.org/presentationml/2006/main">
+  <p:cSld>
+    <p:spTree>
+      <p:nvGrpSpPr>
+        <p:cNvPr id="1" name=""/>
+        <p:cNvGrpSpPr/>
+        <p:nvPr/>
+      </p:nvGrpSpPr>
+      <p:grpSpPr>
+        <a:xfrm>
+          <a:off x="0" y="0"/>
+          <a:ext cx="0" cy="0"/>
+          <a:chOff x="0" y="0"/>
+          <a:chExt cx="0" cy="0"/>
+        </a:xfrm>
+      </p:grpSpPr>
+      <p:sp>
+        <p:nvSpPr>
+          <p:cNvPr id="2" name="Title 1"/>
+          <p:cNvSpPr>
+            <a:spLocks noGrp="1"/>
+          </p:cNvSpPr>
+          <p:nvPr>
+            <p:ph type="title"/>
+          </p:nvPr>
+        </p:nvSpPr>
+        <p:spPr/>
+        <p:txBody>
+          <a:bodyPr/>
+          <a:lstStyle/>
+          <a:p>
+            <a:r>
+              <a:rPr lang="en-US" b="1" dirty="0" smtClean="0"/>
+              <a:t>Managing application properties: </a:t>
+            </a:r>
+            <a:r>
+              <a:rPr lang="en-US" b="1" dirty="0" err="1" smtClean="0"/>
+              <a:t>Kustomize</a:t>
+            </a:r>
+            <a:endParaRPr lang="en-US" dirty="0"/>
+          </a:p>
+        </p:txBody>
+      </p:sp>
+      <p:sp>
+        <p:nvSpPr>
+          <p:cNvPr id="3" name="Content Placeholder 2"/>
+          <p:cNvSpPr>
+            <a:spLocks noGrp="1"/>
+          </p:cNvSpPr>
+          <p:nvPr>
+            <p:ph idx="1"/>
+          </p:nvPr>
+        </p:nvSpPr>
+        <p:spPr/>
+        <p:txBody>
+          <a:bodyPr/>
+          <a:lstStyle/>
+          <a:p>
+            <a:r>
+              <a:rPr lang="en-US" b="1" dirty="0" err="1"/>
+              <a:t>kustomize</a:t>
+            </a:r>
+            <a:r>
+              <a:rPr lang="en-US" b="1" dirty="0"/>
+              <a:t>/base/</a:t>
+            </a:r>
+            <a:r>
+              <a:rPr lang="en-US" b="1" dirty="0" err="1"/>
+              <a:t>deployment.yaml</a:t>
+            </a:r>
+            <a:endParaRPr lang="en-US" b="1" dirty="0"/>
+          </a:p>
+          <a:p>
+            <a:pPr marL="0" indent="0">
+              <a:buNone/>
+            </a:pPr>
+            <a:endParaRPr lang="en-US" dirty="0"/>
+          </a:p>
+        </p:txBody>
+      </p:sp>
+      <p:pic>
+        <p:nvPicPr>
+          <p:cNvPr id="5" name="Picture 4"/>
+          <p:cNvPicPr>
+            <a:picLocks noChangeAspect="1"/>
+          </p:cNvPicPr>
+          <p:nvPr/>
+        </p:nvPicPr>
+        <p:blipFill>
+          <a:blip r:embed="rId2"/>
+          <a:stretch>
+            <a:fillRect/>
+          </a:stretch>
+        </p:blipFill>
+        <p:spPr>
+          <a:xfrm>
+            <a:off x="7112725" y="630620"/>
+            <a:ext cx="4722798" cy="6148989"/>
+          </a:xfrm>
+          <a:prstGeom prst="rect">
+            <a:avLst/>
+          </a:prstGeom>
+        </p:spPr>
+      </p:pic>
+    </p:spTree>
+    <p:extLst>
+      <p:ext uri="{BB962C8B-B14F-4D97-AF65-F5344CB8AC3E}">
+        <p14:creationId xmlns:p14="http://schemas.microsoft.com/office/powerpoint/2010/main" val="377926091"/>
+      </p:ext>
+    </p:extLst>
+  </p:cSld>
+  <p:clrMapOvr>
+    <a:masterClrMapping/>
+  </p:clrMapOvr>
+  <p:timing>
+    <p:tnLst>
+      <p:par>
+        <p:cTn id="1" dur="indefinite" restart="never" nodeType="tmRoot"/>
+      </p:par>
+    </p:tnLst>
+  </p:timing>
+</p:sld>
+</file>
+
+<file path=ppt/slides/slide16.xml><?xml version="1.0" encoding="utf-8"?>
+<p:sld xmlns:a="http://schemas.openxmlformats.org/drawingml/2006/main" xmlns:r="http://schemas.openxmlformats.org/officeDocument/2006/relationships" xmlns:p="http://schemas.openxmlformats.org/presentationml/2006/main">
+  <p:cSld>
+    <p:spTree>
+      <p:nvGrpSpPr>
+        <p:cNvPr id="1" name=""/>
+        <p:cNvGrpSpPr/>
+        <p:nvPr/>
+      </p:nvGrpSpPr>
+      <p:grpSpPr>
+        <a:xfrm>
+          <a:off x="0" y="0"/>
+          <a:ext cx="0" cy="0"/>
+          <a:chOff x="0" y="0"/>
+          <a:chExt cx="0" cy="0"/>
+        </a:xfrm>
+      </p:grpSpPr>
+      <p:sp>
+        <p:nvSpPr>
+          <p:cNvPr id="2" name="Title 1"/>
+          <p:cNvSpPr>
+            <a:spLocks noGrp="1"/>
+          </p:cNvSpPr>
+          <p:nvPr>
+            <p:ph type="title"/>
+          </p:nvPr>
+        </p:nvSpPr>
+        <p:spPr/>
+        <p:txBody>
+          <a:bodyPr/>
+          <a:lstStyle/>
+          <a:p>
+            <a:r>
+              <a:rPr lang="en-US" b="1" dirty="0" smtClean="0"/>
+              <a:t>Managing application properties: </a:t>
+            </a:r>
+            <a:r>
+              <a:rPr lang="en-US" b="1" dirty="0" err="1" smtClean="0"/>
+              <a:t>Kustomize</a:t>
+            </a:r>
+            <a:endParaRPr lang="en-US" dirty="0"/>
+          </a:p>
+        </p:txBody>
+      </p:sp>
+      <p:sp>
+        <p:nvSpPr>
+          <p:cNvPr id="3" name="Content Placeholder 2"/>
+          <p:cNvSpPr>
+            <a:spLocks noGrp="1"/>
+          </p:cNvSpPr>
+          <p:nvPr>
+            <p:ph idx="1"/>
+          </p:nvPr>
+        </p:nvSpPr>
+        <p:spPr/>
+        <p:txBody>
+          <a:bodyPr/>
+          <a:lstStyle/>
+          <a:p>
+            <a:r>
+              <a:rPr lang="en-US" b="1" dirty="0" err="1" smtClean="0"/>
+              <a:t>kustomize</a:t>
+            </a:r>
+            <a:r>
+              <a:rPr lang="en-US" b="1" dirty="0" smtClean="0"/>
+              <a:t>/base/</a:t>
+            </a:r>
+            <a:r>
+              <a:rPr lang="en-US" b="1" dirty="0" err="1" smtClean="0"/>
+              <a:t>configmap.yaml</a:t>
+            </a:r>
+            <a:endParaRPr lang="en-US" b="1" dirty="0"/>
+          </a:p>
+          <a:p>
+            <a:pPr marL="0" indent="0">
+              <a:buNone/>
+            </a:pPr>
+            <a:endParaRPr lang="en-US" dirty="0"/>
+          </a:p>
+        </p:txBody>
+      </p:sp>
+      <p:pic>
+        <p:nvPicPr>
+          <p:cNvPr id="4" name="Picture 3"/>
+          <p:cNvPicPr>
+            <a:picLocks noChangeAspect="1"/>
+          </p:cNvPicPr>
+          <p:nvPr/>
+        </p:nvPicPr>
+        <p:blipFill>
+          <a:blip r:embed="rId2"/>
+          <a:stretch>
+            <a:fillRect/>
+          </a:stretch>
+        </p:blipFill>
+        <p:spPr>
+          <a:xfrm>
+            <a:off x="3359150" y="2699544"/>
+            <a:ext cx="5473700" cy="2603500"/>
+          </a:xfrm>
+          <a:prstGeom prst="rect">
+            <a:avLst/>
+          </a:prstGeom>
+        </p:spPr>
+      </p:pic>
+    </p:spTree>
+    <p:extLst>
+      <p:ext uri="{BB962C8B-B14F-4D97-AF65-F5344CB8AC3E}">
+        <p14:creationId xmlns:p14="http://schemas.microsoft.com/office/powerpoint/2010/main" val="321569094"/>
+      </p:ext>
+    </p:extLst>
+  </p:cSld>
+  <p:clrMapOvr>
+    <a:masterClrMapping/>
+  </p:clrMapOvr>
+  <p:timing>
+    <p:tnLst>
+      <p:par>
+        <p:cTn id="1" dur="indefinite" restart="never" nodeType="tmRoot"/>
+      </p:par>
+    </p:tnLst>
+  </p:timing>
+</p:sld>
+</file>
+
+<file path=ppt/slides/slide17.xml><?xml version="1.0" encoding="utf-8"?>
+<p:sld xmlns:a="http://schemas.openxmlformats.org/drawingml/2006/main" xmlns:r="http://schemas.openxmlformats.org/officeDocument/2006/relationships" xmlns:p="http://schemas.openxmlformats.org/presentationml/2006/main">
+  <p:cSld>
+    <p:spTree>
+      <p:nvGrpSpPr>
+        <p:cNvPr id="1" name=""/>
+        <p:cNvGrpSpPr/>
+        <p:nvPr/>
+      </p:nvGrpSpPr>
+      <p:grpSpPr>
+        <a:xfrm>
+          <a:off x="0" y="0"/>
+          <a:ext cx="0" cy="0"/>
+          <a:chOff x="0" y="0"/>
+          <a:chExt cx="0" cy="0"/>
+        </a:xfrm>
+      </p:grpSpPr>
+      <p:sp>
+        <p:nvSpPr>
+          <p:cNvPr id="2" name="Title 1"/>
+          <p:cNvSpPr>
+            <a:spLocks noGrp="1"/>
+          </p:cNvSpPr>
+          <p:nvPr>
+            <p:ph type="title"/>
+          </p:nvPr>
+        </p:nvSpPr>
+        <p:spPr/>
+        <p:txBody>
+          <a:bodyPr/>
+          <a:lstStyle/>
+          <a:p>
+            <a:r>
+              <a:rPr lang="en-US" b="1" dirty="0" smtClean="0"/>
+              <a:t>Managing application properties: </a:t>
+            </a:r>
+            <a:r>
+              <a:rPr lang="en-US" b="1" dirty="0" err="1" smtClean="0"/>
+              <a:t>Kustomize</a:t>
+            </a:r>
+            <a:endParaRPr lang="en-US" dirty="0"/>
+          </a:p>
+        </p:txBody>
+      </p:sp>
+      <p:sp>
+        <p:nvSpPr>
+          <p:cNvPr id="3" name="Content Placeholder 2"/>
+          <p:cNvSpPr>
+            <a:spLocks noGrp="1"/>
+          </p:cNvSpPr>
+          <p:nvPr>
+            <p:ph idx="1"/>
+          </p:nvPr>
+        </p:nvSpPr>
+        <p:spPr/>
+        <p:txBody>
+          <a:bodyPr/>
+          <a:lstStyle/>
+          <a:p>
+            <a:r>
+              <a:rPr lang="en-US" b="1" dirty="0" err="1" smtClean="0"/>
+              <a:t>kustomize</a:t>
+            </a:r>
+            <a:r>
+              <a:rPr lang="en-US" b="1" dirty="0" smtClean="0"/>
+              <a:t>/overlays/</a:t>
+            </a:r>
+            <a:r>
+              <a:rPr lang="en-US" b="1" dirty="0" err="1" smtClean="0"/>
+              <a:t>dev</a:t>
+            </a:r>
+            <a:r>
+              <a:rPr lang="en-US" b="1" dirty="0" smtClean="0"/>
+              <a:t>/</a:t>
+            </a:r>
+            <a:r>
+              <a:rPr lang="en-US" b="1" dirty="0" err="1" smtClean="0"/>
+              <a:t>kustomization.yaml</a:t>
+            </a:r>
+            <a:endParaRPr lang="en-US" dirty="0"/>
+          </a:p>
+          <a:p>
+            <a:endParaRPr lang="en-US" b="1" dirty="0" smtClean="0"/>
+          </a:p>
+          <a:p>
+            <a:endParaRPr lang="en-US" b="1" dirty="0"/>
+          </a:p>
+          <a:p>
+            <a:endParaRPr lang="en-US" b="1" dirty="0" smtClean="0"/>
+          </a:p>
+          <a:p>
+            <a:endParaRPr lang="en-US" b="1" dirty="0"/>
+          </a:p>
+          <a:p>
+            <a:r>
+              <a:rPr lang="en-US" b="1" dirty="0" err="1"/>
+              <a:t>kustomize</a:t>
+            </a:r>
+            <a:r>
+              <a:rPr lang="en-US" b="1" dirty="0"/>
+              <a:t>/overlays/</a:t>
+            </a:r>
+            <a:r>
+              <a:rPr lang="en-US" b="1" dirty="0" err="1"/>
+              <a:t>dev</a:t>
+            </a:r>
+            <a:r>
+              <a:rPr lang="en-US" b="1" dirty="0"/>
+              <a:t>/</a:t>
+            </a:r>
+            <a:r>
+              <a:rPr lang="en-US" b="1" dirty="0" err="1"/>
+              <a:t>application.properties</a:t>
+            </a:r>
+            <a:endParaRPr lang="en-US" b="1" dirty="0"/>
+          </a:p>
+          <a:p>
+            <a:endParaRPr lang="en-US" dirty="0"/>
+          </a:p>
+        </p:txBody>
+      </p:sp>
+      <p:pic>
+        <p:nvPicPr>
+          <p:cNvPr id="5" name="Picture 4"/>
+          <p:cNvPicPr>
+            <a:picLocks noChangeAspect="1"/>
+          </p:cNvPicPr>
+          <p:nvPr/>
+        </p:nvPicPr>
+        <p:blipFill>
+          <a:blip r:embed="rId2"/>
+          <a:stretch>
+            <a:fillRect/>
+          </a:stretch>
+        </p:blipFill>
+        <p:spPr>
+          <a:xfrm>
+            <a:off x="6783989" y="2328698"/>
+            <a:ext cx="4089400" cy="1485900"/>
+          </a:xfrm>
+          <a:prstGeom prst="rect">
+            <a:avLst/>
+          </a:prstGeom>
+        </p:spPr>
+      </p:pic>
+      <p:pic>
+        <p:nvPicPr>
+          <p:cNvPr id="6" name="Picture 5"/>
+          <p:cNvPicPr>
+            <a:picLocks noChangeAspect="1"/>
+          </p:cNvPicPr>
+          <p:nvPr/>
+        </p:nvPicPr>
+        <p:blipFill>
+          <a:blip r:embed="rId3"/>
+          <a:stretch>
+            <a:fillRect/>
+          </a:stretch>
+        </p:blipFill>
+        <p:spPr>
+          <a:xfrm>
+            <a:off x="5221889" y="5080656"/>
+            <a:ext cx="5651500" cy="1384300"/>
+          </a:xfrm>
+          <a:prstGeom prst="rect">
+            <a:avLst/>
+          </a:prstGeom>
+        </p:spPr>
+      </p:pic>
+    </p:spTree>
+    <p:extLst>
+      <p:ext uri="{BB962C8B-B14F-4D97-AF65-F5344CB8AC3E}">
+        <p14:creationId xmlns:p14="http://schemas.microsoft.com/office/powerpoint/2010/main" val="1170435755"/>
+      </p:ext>
+    </p:extLst>
+  </p:cSld>
+  <p:clrMapOvr>
+    <a:masterClrMapping/>
+  </p:clrMapOvr>
+  <p:timing>
+    <p:tnLst>
+      <p:par>
+        <p:cTn id="1" dur="indefinite" restart="never" nodeType="tmRoot"/>
+      </p:par>
+    </p:tnLst>
+  </p:timing>
+</p:sld>
+</file>
+
+<file path=ppt/slides/slide18.xml><?xml version="1.0" encoding="utf-8"?>
+<p:sld xmlns:a="http://schemas.openxmlformats.org/drawingml/2006/main" xmlns:r="http://schemas.openxmlformats.org/officeDocument/2006/relationships" xmlns:p="http://schemas.openxmlformats.org/presentationml/2006/main">
+  <p:cSld>
+    <p:spTree>
+      <p:nvGrpSpPr>
+        <p:cNvPr id="1" name=""/>
+        <p:cNvGrpSpPr/>
+        <p:nvPr/>
+      </p:nvGrpSpPr>
+      <p:grpSpPr>
+        <a:xfrm>
+          <a:off x="0" y="0"/>
+          <a:ext cx="0" cy="0"/>
+          <a:chOff x="0" y="0"/>
+          <a:chExt cx="0" cy="0"/>
+        </a:xfrm>
+      </p:grpSpPr>
+      <p:sp>
+        <p:nvSpPr>
+          <p:cNvPr id="2" name="Title 1"/>
+          <p:cNvSpPr>
+            <a:spLocks noGrp="1"/>
+          </p:cNvSpPr>
+          <p:nvPr>
+            <p:ph type="title"/>
+          </p:nvPr>
+        </p:nvSpPr>
+        <p:spPr/>
+        <p:txBody>
+          <a:bodyPr/>
+          <a:lstStyle/>
+          <a:p>
+            <a:r>
+              <a:rPr lang="en-US" b="1" dirty="0" smtClean="0"/>
+              <a:t>Managing application properties: </a:t>
+            </a:r>
+            <a:r>
+              <a:rPr lang="en-US" b="1" dirty="0" err="1" smtClean="0"/>
+              <a:t>Kustomize</a:t>
+            </a:r>
+            <a:endParaRPr lang="en-US" dirty="0"/>
+          </a:p>
+        </p:txBody>
+      </p:sp>
+      <p:sp>
+        <p:nvSpPr>
+          <p:cNvPr id="3" name="Content Placeholder 2"/>
+          <p:cNvSpPr>
+            <a:spLocks noGrp="1"/>
+          </p:cNvSpPr>
+          <p:nvPr>
+            <p:ph idx="1"/>
+          </p:nvPr>
+        </p:nvSpPr>
+        <p:spPr/>
+        <p:txBody>
+          <a:bodyPr/>
+          <a:lstStyle/>
+          <a:p>
+            <a:r>
+              <a:rPr lang="en-US" b="1" dirty="0" err="1" smtClean="0"/>
+              <a:t>kustomize</a:t>
+            </a:r>
+            <a:r>
+              <a:rPr lang="en-US" b="1" dirty="0" smtClean="0"/>
+              <a:t>/overlays/prod/</a:t>
+            </a:r>
+            <a:r>
+              <a:rPr lang="en-US" b="1" dirty="0" err="1" smtClean="0"/>
+              <a:t>kustomization.yaml</a:t>
+            </a:r>
+            <a:endParaRPr lang="en-US" dirty="0"/>
+          </a:p>
+          <a:p>
+            <a:endParaRPr lang="en-US" b="1" dirty="0" smtClean="0"/>
+          </a:p>
+          <a:p>
+            <a:endParaRPr lang="en-US" b="1" dirty="0"/>
+          </a:p>
+          <a:p>
+            <a:endParaRPr lang="en-US" b="1" dirty="0" smtClean="0"/>
+          </a:p>
+          <a:p>
+            <a:endParaRPr lang="en-US" b="1" dirty="0"/>
+          </a:p>
+          <a:p>
+            <a:r>
+              <a:rPr lang="en-US" b="1" dirty="0" err="1" smtClean="0"/>
+              <a:t>kustomize</a:t>
+            </a:r>
+            <a:r>
+              <a:rPr lang="en-US" b="1" dirty="0" smtClean="0"/>
+              <a:t>/overlays/prod/</a:t>
+            </a:r>
+            <a:r>
+              <a:rPr lang="en-US" b="1" dirty="0" err="1" smtClean="0"/>
+              <a:t>application.properties</a:t>
+            </a:r>
+            <a:endParaRPr lang="en-US" b="1" dirty="0"/>
+          </a:p>
+          <a:p>
+            <a:endParaRPr lang="en-US" dirty="0"/>
+          </a:p>
+        </p:txBody>
+      </p:sp>
+      <p:pic>
+        <p:nvPicPr>
+          <p:cNvPr id="5" name="Picture 4"/>
+          <p:cNvPicPr>
+            <a:picLocks noChangeAspect="1"/>
+          </p:cNvPicPr>
+          <p:nvPr/>
+        </p:nvPicPr>
+        <p:blipFill>
+          <a:blip r:embed="rId2"/>
+          <a:stretch>
+            <a:fillRect/>
+          </a:stretch>
+        </p:blipFill>
+        <p:spPr>
+          <a:xfrm>
+            <a:off x="6783989" y="2328698"/>
+            <a:ext cx="4089400" cy="1485900"/>
+          </a:xfrm>
+          <a:prstGeom prst="rect">
+            <a:avLst/>
+          </a:prstGeom>
+        </p:spPr>
+      </p:pic>
+      <p:pic>
+        <p:nvPicPr>
+          <p:cNvPr id="4" name="Picture 3"/>
+          <p:cNvPicPr>
+            <a:picLocks noChangeAspect="1"/>
+          </p:cNvPicPr>
+          <p:nvPr/>
+        </p:nvPicPr>
+        <p:blipFill>
+          <a:blip r:embed="rId3"/>
+          <a:stretch>
+            <a:fillRect/>
+          </a:stretch>
+        </p:blipFill>
+        <p:spPr>
+          <a:xfrm>
+            <a:off x="5183789" y="5225831"/>
+            <a:ext cx="5689600" cy="1346200"/>
+          </a:xfrm>
+          <a:prstGeom prst="rect">
+            <a:avLst/>
+          </a:prstGeom>
+        </p:spPr>
+      </p:pic>
+    </p:spTree>
+    <p:extLst>
+      <p:ext uri="{BB962C8B-B14F-4D97-AF65-F5344CB8AC3E}">
+        <p14:creationId xmlns:p14="http://schemas.microsoft.com/office/powerpoint/2010/main" val="1041272282"/>
+      </p:ext>
+    </p:extLst>
+  </p:cSld>
+  <p:clrMapOvr>
+    <a:masterClrMapping/>
+  </p:clrMapOvr>
+  <p:timing>
+    <p:tnLst>
+      <p:par>
+        <p:cTn id="1" dur="indefinite" restart="never" nodeType="tmRoot"/>
+      </p:par>
+    </p:tnLst>
+  </p:timing>
+</p:sld>
+</file>
+
+<file path=ppt/slides/slide19.xml><?xml version="1.0" encoding="utf-8"?>
+<p:sld xmlns:a="http://schemas.openxmlformats.org/drawingml/2006/main" xmlns:r="http://schemas.openxmlformats.org/officeDocument/2006/relationships" xmlns:p="http://schemas.openxmlformats.org/presentationml/2006/main">
+  <p:cSld>
+    <p:spTree>
+      <p:nvGrpSpPr>
+        <p:cNvPr id="1" name=""/>
+        <p:cNvGrpSpPr/>
+        <p:nvPr/>
+      </p:nvGrpSpPr>
+      <p:grpSpPr>
+        <a:xfrm>
+          <a:off x="0" y="0"/>
+          <a:ext cx="0" cy="0"/>
+          <a:chOff x="0" y="0"/>
+          <a:chExt cx="0" cy="0"/>
+        </a:xfrm>
+      </p:grpSpPr>
+      <p:sp>
+        <p:nvSpPr>
+          <p:cNvPr id="2" name="Title 1"/>
+          <p:cNvSpPr>
+            <a:spLocks noGrp="1"/>
+          </p:cNvSpPr>
+          <p:nvPr>
+            <p:ph type="title"/>
+          </p:nvPr>
+        </p:nvSpPr>
+        <p:spPr/>
+        <p:txBody>
+          <a:bodyPr/>
+          <a:lstStyle/>
+          <a:p>
+            <a:r>
+              <a:rPr lang="en-US" b="1" dirty="0" smtClean="0"/>
+              <a:t>Managing application properties: Helm3</a:t>
+            </a:r>
+            <a:endParaRPr lang="en-US" dirty="0"/>
+          </a:p>
+        </p:txBody>
+      </p:sp>
+      <p:sp>
+        <p:nvSpPr>
+          <p:cNvPr id="3" name="Content Placeholder 2"/>
+          <p:cNvSpPr>
+            <a:spLocks noGrp="1"/>
+          </p:cNvSpPr>
+          <p:nvPr>
+            <p:ph idx="1"/>
+          </p:nvPr>
+        </p:nvSpPr>
+        <p:spPr/>
+        <p:txBody>
+          <a:bodyPr/>
+          <a:lstStyle/>
+          <a:p>
+            <a:r>
+              <a:rPr lang="en-US" b="1" dirty="0"/>
+              <a:t>Project Structure</a:t>
+            </a:r>
+          </a:p>
+          <a:p>
+            <a:pPr marL="0" indent="0">
+              <a:buNone/>
+            </a:pPr>
+            <a:endParaRPr lang="en-US" dirty="0"/>
+          </a:p>
+        </p:txBody>
+      </p:sp>
+      <p:pic>
+        <p:nvPicPr>
+          <p:cNvPr id="4" name="Picture 3"/>
+          <p:cNvPicPr>
+            <a:picLocks noChangeAspect="1"/>
+          </p:cNvPicPr>
+          <p:nvPr/>
+        </p:nvPicPr>
+        <p:blipFill>
+          <a:blip r:embed="rId2"/>
+          <a:stretch>
+            <a:fillRect/>
+          </a:stretch>
+        </p:blipFill>
+        <p:spPr>
+          <a:xfrm>
+            <a:off x="3831239" y="1825625"/>
+            <a:ext cx="8166100" cy="4584700"/>
+          </a:xfrm>
+          <a:prstGeom prst="rect">
+            <a:avLst/>
+          </a:prstGeom>
+        </p:spPr>
+      </p:pic>
+    </p:spTree>
+    <p:extLst>
+      <p:ext uri="{BB962C8B-B14F-4D97-AF65-F5344CB8AC3E}">
+        <p14:creationId xmlns:p14="http://schemas.microsoft.com/office/powerpoint/2010/main" val="1225715415"/>
+      </p:ext>
+    </p:extLst>
+  </p:cSld>
+  <p:clrMapOvr>
+    <a:masterClrMapping/>
+  </p:clrMapOvr>
+  <p:timing>
+    <p:tnLst>
+      <p:par>
+        <p:cTn id="1" dur="indefinite" restart="never" nodeType="tmRoot"/>
+      </p:par>
+    </p:tnLst>
+  </p:timing>
+</p:sld>
+</file>
+
 <file path=ppt/slides/slide2.xml><?xml version="1.0" encoding="utf-8"?>
 <p:sld xmlns:a="http://schemas.openxmlformats.org/drawingml/2006/main" xmlns:r="http://schemas.openxmlformats.org/officeDocument/2006/relationships" xmlns:p="http://schemas.openxmlformats.org/presentationml/2006/main">
   <p:cSld>
@@ -3657,6 +4598,321 @@
   <p:clrMapOvr>
     <a:masterClrMapping/>
   </p:clrMapOvr>
+</p:sld>
+</file>
+
+<file path=ppt/slides/slide20.xml><?xml version="1.0" encoding="utf-8"?>
+<p:sld xmlns:a="http://schemas.openxmlformats.org/drawingml/2006/main" xmlns:r="http://schemas.openxmlformats.org/officeDocument/2006/relationships" xmlns:p="http://schemas.openxmlformats.org/presentationml/2006/main">
+  <p:cSld>
+    <p:spTree>
+      <p:nvGrpSpPr>
+        <p:cNvPr id="1" name=""/>
+        <p:cNvGrpSpPr/>
+        <p:nvPr/>
+      </p:nvGrpSpPr>
+      <p:grpSpPr>
+        <a:xfrm>
+          <a:off x="0" y="0"/>
+          <a:ext cx="0" cy="0"/>
+          <a:chOff x="0" y="0"/>
+          <a:chExt cx="0" cy="0"/>
+        </a:xfrm>
+      </p:grpSpPr>
+      <p:sp>
+        <p:nvSpPr>
+          <p:cNvPr id="2" name="Title 1"/>
+          <p:cNvSpPr>
+            <a:spLocks noGrp="1"/>
+          </p:cNvSpPr>
+          <p:nvPr>
+            <p:ph type="title"/>
+          </p:nvPr>
+        </p:nvSpPr>
+        <p:spPr/>
+        <p:txBody>
+          <a:bodyPr/>
+          <a:lstStyle/>
+          <a:p>
+            <a:r>
+              <a:rPr lang="en-US" b="1" dirty="0" smtClean="0"/>
+              <a:t>Managing application properties: Helm 3</a:t>
+            </a:r>
+            <a:endParaRPr lang="en-US" dirty="0"/>
+          </a:p>
+        </p:txBody>
+      </p:sp>
+      <p:sp>
+        <p:nvSpPr>
+          <p:cNvPr id="3" name="Content Placeholder 2"/>
+          <p:cNvSpPr>
+            <a:spLocks noGrp="1"/>
+          </p:cNvSpPr>
+          <p:nvPr>
+            <p:ph idx="1"/>
+          </p:nvPr>
+        </p:nvSpPr>
+        <p:spPr/>
+        <p:txBody>
+          <a:bodyPr>
+            <a:normAutofit/>
+          </a:bodyPr>
+          <a:lstStyle/>
+          <a:p>
+            <a:r>
+              <a:rPr lang="en-US" b="1" dirty="0" err="1" smtClean="0"/>
+              <a:t>values.yaml</a:t>
+            </a:r>
+            <a:endParaRPr lang="en-US" b="1" dirty="0" smtClean="0"/>
+          </a:p>
+          <a:p>
+            <a:endParaRPr lang="en-US" b="1" dirty="0"/>
+          </a:p>
+          <a:p>
+            <a:endParaRPr lang="en-US" b="1" dirty="0" smtClean="0"/>
+          </a:p>
+          <a:p>
+            <a:endParaRPr lang="en-US" b="1" dirty="0"/>
+          </a:p>
+          <a:p>
+            <a:r>
+              <a:rPr lang="en-US" b="1" dirty="0" smtClean="0"/>
+              <a:t>values-</a:t>
+            </a:r>
+            <a:r>
+              <a:rPr lang="en-US" b="1" dirty="0" err="1" smtClean="0"/>
+              <a:t>dev.yaml</a:t>
+            </a:r>
+            <a:endParaRPr lang="en-US" b="1" dirty="0"/>
+          </a:p>
+          <a:p>
+            <a:pPr marL="0" indent="0">
+              <a:buNone/>
+            </a:pPr>
+            <a:r>
+              <a:rPr lang="en-US" dirty="0"/>
+              <a:t/>
+            </a:r>
+            <a:br>
+              <a:rPr lang="en-US" dirty="0"/>
+            </a:br>
+            <a:endParaRPr lang="en-US" dirty="0"/>
+          </a:p>
+          <a:p>
+            <a:r>
+              <a:rPr lang="en-US" b="1" dirty="0" smtClean="0"/>
+              <a:t>Values-</a:t>
+            </a:r>
+            <a:r>
+              <a:rPr lang="en-US" b="1" dirty="0" err="1" smtClean="0"/>
+              <a:t>prod.yaml</a:t>
+            </a:r>
+            <a:endParaRPr lang="en-US" b="1" dirty="0"/>
+          </a:p>
+          <a:p>
+            <a:endParaRPr lang="en-US" dirty="0"/>
+          </a:p>
+        </p:txBody>
+      </p:sp>
+      <p:pic>
+        <p:nvPicPr>
+          <p:cNvPr id="4" name="Picture 3"/>
+          <p:cNvPicPr>
+            <a:picLocks noChangeAspect="1"/>
+          </p:cNvPicPr>
+          <p:nvPr/>
+        </p:nvPicPr>
+        <p:blipFill>
+          <a:blip r:embed="rId2"/>
+          <a:stretch>
+            <a:fillRect/>
+          </a:stretch>
+        </p:blipFill>
+        <p:spPr>
+          <a:xfrm>
+            <a:off x="3896270" y="1394595"/>
+            <a:ext cx="8204200" cy="1714500"/>
+          </a:xfrm>
+          <a:prstGeom prst="rect">
+            <a:avLst/>
+          </a:prstGeom>
+        </p:spPr>
+      </p:pic>
+      <p:pic>
+        <p:nvPicPr>
+          <p:cNvPr id="5" name="Picture 4"/>
+          <p:cNvPicPr>
+            <a:picLocks noChangeAspect="1"/>
+          </p:cNvPicPr>
+          <p:nvPr/>
+        </p:nvPicPr>
+        <p:blipFill>
+          <a:blip r:embed="rId3"/>
+          <a:stretch>
+            <a:fillRect/>
+          </a:stretch>
+        </p:blipFill>
+        <p:spPr>
+          <a:xfrm>
+            <a:off x="3885760" y="3244032"/>
+            <a:ext cx="4902200" cy="1739900"/>
+          </a:xfrm>
+          <a:prstGeom prst="rect">
+            <a:avLst/>
+          </a:prstGeom>
+        </p:spPr>
+      </p:pic>
+      <p:pic>
+        <p:nvPicPr>
+          <p:cNvPr id="6" name="Picture 5"/>
+          <p:cNvPicPr>
+            <a:picLocks noChangeAspect="1"/>
+          </p:cNvPicPr>
+          <p:nvPr/>
+        </p:nvPicPr>
+        <p:blipFill>
+          <a:blip r:embed="rId4"/>
+          <a:stretch>
+            <a:fillRect/>
+          </a:stretch>
+        </p:blipFill>
+        <p:spPr>
+          <a:xfrm>
+            <a:off x="3896270" y="5067300"/>
+            <a:ext cx="4838700" cy="1790700"/>
+          </a:xfrm>
+          <a:prstGeom prst="rect">
+            <a:avLst/>
+          </a:prstGeom>
+        </p:spPr>
+      </p:pic>
+    </p:spTree>
+    <p:extLst>
+      <p:ext uri="{BB962C8B-B14F-4D97-AF65-F5344CB8AC3E}">
+        <p14:creationId xmlns:p14="http://schemas.microsoft.com/office/powerpoint/2010/main" val="1697275278"/>
+      </p:ext>
+    </p:extLst>
+  </p:cSld>
+  <p:clrMapOvr>
+    <a:masterClrMapping/>
+  </p:clrMapOvr>
+  <p:timing>
+    <p:tnLst>
+      <p:par>
+        <p:cTn id="1" dur="indefinite" restart="never" nodeType="tmRoot"/>
+      </p:par>
+    </p:tnLst>
+  </p:timing>
+</p:sld>
+</file>
+
+<file path=ppt/slides/slide21.xml><?xml version="1.0" encoding="utf-8"?>
+<p:sld xmlns:a="http://schemas.openxmlformats.org/drawingml/2006/main" xmlns:r="http://schemas.openxmlformats.org/officeDocument/2006/relationships" xmlns:p="http://schemas.openxmlformats.org/presentationml/2006/main">
+  <p:cSld>
+    <p:spTree>
+      <p:nvGrpSpPr>
+        <p:cNvPr id="1" name=""/>
+        <p:cNvGrpSpPr/>
+        <p:nvPr/>
+      </p:nvGrpSpPr>
+      <p:grpSpPr>
+        <a:xfrm>
+          <a:off x="0" y="0"/>
+          <a:ext cx="0" cy="0"/>
+          <a:chOff x="0" y="0"/>
+          <a:chExt cx="0" cy="0"/>
+        </a:xfrm>
+      </p:grpSpPr>
+      <p:sp>
+        <p:nvSpPr>
+          <p:cNvPr id="2" name="Title 1"/>
+          <p:cNvSpPr>
+            <a:spLocks noGrp="1"/>
+          </p:cNvSpPr>
+          <p:nvPr>
+            <p:ph type="title"/>
+          </p:nvPr>
+        </p:nvSpPr>
+        <p:spPr/>
+        <p:txBody>
+          <a:bodyPr/>
+          <a:lstStyle/>
+          <a:p>
+            <a:r>
+              <a:rPr lang="en-US" b="1" dirty="0" smtClean="0"/>
+              <a:t>Managing application properties: Helm 3</a:t>
+            </a:r>
+            <a:endParaRPr lang="en-US" dirty="0"/>
+          </a:p>
+        </p:txBody>
+      </p:sp>
+      <p:sp>
+        <p:nvSpPr>
+          <p:cNvPr id="3" name="Content Placeholder 2"/>
+          <p:cNvSpPr>
+            <a:spLocks noGrp="1"/>
+          </p:cNvSpPr>
+          <p:nvPr>
+            <p:ph idx="1"/>
+          </p:nvPr>
+        </p:nvSpPr>
+        <p:spPr/>
+        <p:txBody>
+          <a:bodyPr/>
+          <a:lstStyle/>
+          <a:p>
+            <a:r>
+              <a:rPr lang="en-US" b="1" dirty="0" smtClean="0"/>
+              <a:t>templates/</a:t>
+            </a:r>
+            <a:r>
+              <a:rPr lang="en-US" b="1" dirty="0" err="1" smtClean="0"/>
+              <a:t>configmap.yaml</a:t>
+            </a:r>
+            <a:endParaRPr lang="en-US" b="1" dirty="0"/>
+          </a:p>
+        </p:txBody>
+      </p:sp>
+      <p:pic>
+        <p:nvPicPr>
+          <p:cNvPr id="4" name="Picture 3"/>
+          <p:cNvPicPr>
+            <a:picLocks noChangeAspect="1"/>
+          </p:cNvPicPr>
+          <p:nvPr/>
+        </p:nvPicPr>
+        <p:blipFill>
+          <a:blip r:embed="rId2"/>
+          <a:stretch>
+            <a:fillRect/>
+          </a:stretch>
+        </p:blipFill>
+        <p:spPr>
+          <a:xfrm>
+            <a:off x="330200" y="2439057"/>
+            <a:ext cx="11531600" cy="4229100"/>
+          </a:xfrm>
+          <a:prstGeom prst="rect">
+            <a:avLst/>
+          </a:prstGeom>
+        </p:spPr>
+      </p:pic>
+    </p:spTree>
+    <p:extLst>
+      <p:ext uri="{BB962C8B-B14F-4D97-AF65-F5344CB8AC3E}">
+        <p14:creationId xmlns:p14="http://schemas.microsoft.com/office/powerpoint/2010/main" val="1250013917"/>
+      </p:ext>
+    </p:extLst>
+  </p:cSld>
+  <p:clrMapOvr>
+    <a:masterClrMapping/>
+  </p:clrMapOvr>
+  <p:timing>
+    <p:tnLst>
+      <p:par>
+        <p:cTn id="1" dur="indefinite" restart="never" nodeType="tmRoot"/>
+      </p:par>
+    </p:tnLst>
+  </p:timing>
 </p:sld>
 </file>
 

--- a/Helm vs Kustomize.pptx
+++ b/Helm vs Kustomize.pptx
@@ -26,6 +26,8 @@
     <p:sldId id="276" r:id="rId20"/>
     <p:sldId id="278" r:id="rId21"/>
     <p:sldId id="277" r:id="rId22"/>
+    <p:sldId id="282" r:id="rId23"/>
+    <p:sldId id="283" r:id="rId24"/>
   </p:sldIdLst>
   <p:sldSz cx="12192000" cy="6858000"/>
   <p:notesSz cx="6858000" cy="9144000"/>
@@ -263,7 +265,7 @@
           <a:p>
             <a:fld id="{EFC1D2A1-ABF1-A241-9B3D-CAC617B89570}" type="datetimeFigureOut">
               <a:rPr lang="en-US" smtClean="0"/>
-              <a:t>11/12/23</a:t>
+              <a:t>11/13/23</a:t>
             </a:fld>
             <a:endParaRPr lang="en-US"/>
           </a:p>
@@ -433,7 +435,7 @@
           <a:p>
             <a:fld id="{EFC1D2A1-ABF1-A241-9B3D-CAC617B89570}" type="datetimeFigureOut">
               <a:rPr lang="en-US" smtClean="0"/>
-              <a:t>11/12/23</a:t>
+              <a:t>11/13/23</a:t>
             </a:fld>
             <a:endParaRPr lang="en-US"/>
           </a:p>
@@ -613,7 +615,7 @@
           <a:p>
             <a:fld id="{EFC1D2A1-ABF1-A241-9B3D-CAC617B89570}" type="datetimeFigureOut">
               <a:rPr lang="en-US" smtClean="0"/>
-              <a:t>11/12/23</a:t>
+              <a:t>11/13/23</a:t>
             </a:fld>
             <a:endParaRPr lang="en-US"/>
           </a:p>
@@ -783,7 +785,7 @@
           <a:p>
             <a:fld id="{EFC1D2A1-ABF1-A241-9B3D-CAC617B89570}" type="datetimeFigureOut">
               <a:rPr lang="en-US" smtClean="0"/>
-              <a:t>11/12/23</a:t>
+              <a:t>11/13/23</a:t>
             </a:fld>
             <a:endParaRPr lang="en-US"/>
           </a:p>
@@ -1029,7 +1031,7 @@
           <a:p>
             <a:fld id="{EFC1D2A1-ABF1-A241-9B3D-CAC617B89570}" type="datetimeFigureOut">
               <a:rPr lang="en-US" smtClean="0"/>
-              <a:t>11/12/23</a:t>
+              <a:t>11/13/23</a:t>
             </a:fld>
             <a:endParaRPr lang="en-US"/>
           </a:p>
@@ -1261,7 +1263,7 @@
           <a:p>
             <a:fld id="{EFC1D2A1-ABF1-A241-9B3D-CAC617B89570}" type="datetimeFigureOut">
               <a:rPr lang="en-US" smtClean="0"/>
-              <a:t>11/12/23</a:t>
+              <a:t>11/13/23</a:t>
             </a:fld>
             <a:endParaRPr lang="en-US"/>
           </a:p>
@@ -1628,7 +1630,7 @@
           <a:p>
             <a:fld id="{EFC1D2A1-ABF1-A241-9B3D-CAC617B89570}" type="datetimeFigureOut">
               <a:rPr lang="en-US" smtClean="0"/>
-              <a:t>11/12/23</a:t>
+              <a:t>11/13/23</a:t>
             </a:fld>
             <a:endParaRPr lang="en-US"/>
           </a:p>
@@ -1746,7 +1748,7 @@
           <a:p>
             <a:fld id="{EFC1D2A1-ABF1-A241-9B3D-CAC617B89570}" type="datetimeFigureOut">
               <a:rPr lang="en-US" smtClean="0"/>
-              <a:t>11/12/23</a:t>
+              <a:t>11/13/23</a:t>
             </a:fld>
             <a:endParaRPr lang="en-US"/>
           </a:p>
@@ -1841,7 +1843,7 @@
           <a:p>
             <a:fld id="{EFC1D2A1-ABF1-A241-9B3D-CAC617B89570}" type="datetimeFigureOut">
               <a:rPr lang="en-US" smtClean="0"/>
-              <a:t>11/12/23</a:t>
+              <a:t>11/13/23</a:t>
             </a:fld>
             <a:endParaRPr lang="en-US"/>
           </a:p>
@@ -2118,7 +2120,7 @@
           <a:p>
             <a:fld id="{EFC1D2A1-ABF1-A241-9B3D-CAC617B89570}" type="datetimeFigureOut">
               <a:rPr lang="en-US" smtClean="0"/>
-              <a:t>11/12/23</a:t>
+              <a:t>11/13/23</a:t>
             </a:fld>
             <a:endParaRPr lang="en-US"/>
           </a:p>
@@ -2371,7 +2373,7 @@
           <a:p>
             <a:fld id="{EFC1D2A1-ABF1-A241-9B3D-CAC617B89570}" type="datetimeFigureOut">
               <a:rPr lang="en-US" smtClean="0"/>
-              <a:t>11/12/23</a:t>
+              <a:t>11/13/23</a:t>
             </a:fld>
             <a:endParaRPr lang="en-US"/>
           </a:p>
@@ -2584,7 +2586,7 @@
           <a:p>
             <a:fld id="{EFC1D2A1-ABF1-A241-9B3D-CAC617B89570}" type="datetimeFigureOut">
               <a:rPr lang="en-US" smtClean="0"/>
-              <a:t>11/12/23</a:t>
+              <a:t>11/13/23</a:t>
             </a:fld>
             <a:endParaRPr lang="en-US"/>
           </a:p>
@@ -4916,6 +4918,252 @@
 </p:sld>
 </file>
 
+<file path=ppt/slides/slide22.xml><?xml version="1.0" encoding="utf-8"?>
+<p:sld xmlns:a="http://schemas.openxmlformats.org/drawingml/2006/main" xmlns:r="http://schemas.openxmlformats.org/officeDocument/2006/relationships" xmlns:p="http://schemas.openxmlformats.org/presentationml/2006/main">
+  <p:cSld>
+    <p:spTree>
+      <p:nvGrpSpPr>
+        <p:cNvPr id="1" name=""/>
+        <p:cNvGrpSpPr/>
+        <p:nvPr/>
+      </p:nvGrpSpPr>
+      <p:grpSpPr>
+        <a:xfrm>
+          <a:off x="0" y="0"/>
+          <a:ext cx="0" cy="0"/>
+          <a:chOff x="0" y="0"/>
+          <a:chExt cx="0" cy="0"/>
+        </a:xfrm>
+      </p:grpSpPr>
+      <p:sp>
+        <p:nvSpPr>
+          <p:cNvPr id="2" name="Title 1"/>
+          <p:cNvSpPr>
+            <a:spLocks noGrp="1"/>
+          </p:cNvSpPr>
+          <p:nvPr>
+            <p:ph type="title"/>
+          </p:nvPr>
+        </p:nvSpPr>
+        <p:spPr/>
+        <p:txBody>
+          <a:bodyPr/>
+          <a:lstStyle/>
+          <a:p>
+            <a:r>
+              <a:rPr lang="en-US" b="1" dirty="0" smtClean="0"/>
+              <a:t>Managing application properties: Helm </a:t>
+            </a:r>
+            <a:r>
+              <a:rPr lang="en-US" b="1" dirty="0" smtClean="0"/>
+              <a:t>3 </a:t>
+            </a:r>
+            <a:r>
+              <a:rPr lang="mr-IN" b="1" dirty="0" smtClean="0"/>
+              <a:t>–</a:t>
+            </a:r>
+            <a:r>
+              <a:rPr lang="en-US" b="1" dirty="0" smtClean="0"/>
+              <a:t> example 2</a:t>
+            </a:r>
+            <a:endParaRPr lang="en-US" dirty="0"/>
+          </a:p>
+        </p:txBody>
+      </p:sp>
+      <p:sp>
+        <p:nvSpPr>
+          <p:cNvPr id="3" name="Content Placeholder 2"/>
+          <p:cNvSpPr>
+            <a:spLocks noGrp="1"/>
+          </p:cNvSpPr>
+          <p:nvPr>
+            <p:ph idx="1"/>
+          </p:nvPr>
+        </p:nvSpPr>
+        <p:spPr/>
+        <p:txBody>
+          <a:bodyPr/>
+          <a:lstStyle/>
+          <a:p>
+            <a:r>
+              <a:rPr lang="en-US" b="1" dirty="0" smtClean="0"/>
+              <a:t>templates/</a:t>
+            </a:r>
+            <a:r>
+              <a:rPr lang="en-US" b="1" dirty="0" err="1" smtClean="0"/>
+              <a:t>configmap.yaml</a:t>
+            </a:r>
+            <a:endParaRPr lang="en-US" b="1" dirty="0"/>
+          </a:p>
+        </p:txBody>
+      </p:sp>
+      <p:pic>
+        <p:nvPicPr>
+          <p:cNvPr id="6" name="Picture 5"/>
+          <p:cNvPicPr>
+            <a:picLocks noChangeAspect="1"/>
+          </p:cNvPicPr>
+          <p:nvPr/>
+        </p:nvPicPr>
+        <p:blipFill>
+          <a:blip r:embed="rId2"/>
+          <a:stretch>
+            <a:fillRect/>
+          </a:stretch>
+        </p:blipFill>
+        <p:spPr>
+          <a:xfrm>
+            <a:off x="3084568" y="3026980"/>
+            <a:ext cx="6376478" cy="3068036"/>
+          </a:xfrm>
+          <a:prstGeom prst="rect">
+            <a:avLst/>
+          </a:prstGeom>
+        </p:spPr>
+      </p:pic>
+    </p:spTree>
+    <p:extLst>
+      <p:ext uri="{BB962C8B-B14F-4D97-AF65-F5344CB8AC3E}">
+        <p14:creationId xmlns:p14="http://schemas.microsoft.com/office/powerpoint/2010/main" val="87151741"/>
+      </p:ext>
+    </p:extLst>
+  </p:cSld>
+  <p:clrMapOvr>
+    <a:masterClrMapping/>
+  </p:clrMapOvr>
+  <p:timing>
+    <p:tnLst>
+      <p:par>
+        <p:cTn id="1" dur="indefinite" restart="never" nodeType="tmRoot"/>
+      </p:par>
+    </p:tnLst>
+  </p:timing>
+</p:sld>
+</file>
+
+<file path=ppt/slides/slide23.xml><?xml version="1.0" encoding="utf-8"?>
+<p:sld xmlns:a="http://schemas.openxmlformats.org/drawingml/2006/main" xmlns:r="http://schemas.openxmlformats.org/officeDocument/2006/relationships" xmlns:p="http://schemas.openxmlformats.org/presentationml/2006/main">
+  <p:cSld>
+    <p:spTree>
+      <p:nvGrpSpPr>
+        <p:cNvPr id="1" name=""/>
+        <p:cNvGrpSpPr/>
+        <p:nvPr/>
+      </p:nvGrpSpPr>
+      <p:grpSpPr>
+        <a:xfrm>
+          <a:off x="0" y="0"/>
+          <a:ext cx="0" cy="0"/>
+          <a:chOff x="0" y="0"/>
+          <a:chExt cx="0" cy="0"/>
+        </a:xfrm>
+      </p:grpSpPr>
+      <p:sp>
+        <p:nvSpPr>
+          <p:cNvPr id="2" name="Title 1"/>
+          <p:cNvSpPr>
+            <a:spLocks noGrp="1"/>
+          </p:cNvSpPr>
+          <p:nvPr>
+            <p:ph type="title"/>
+          </p:nvPr>
+        </p:nvSpPr>
+        <p:spPr/>
+        <p:txBody>
+          <a:bodyPr/>
+          <a:lstStyle/>
+          <a:p>
+            <a:r>
+              <a:rPr lang="en-US" b="1" dirty="0" smtClean="0"/>
+              <a:t>Managing application properties: Helm </a:t>
+            </a:r>
+            <a:r>
+              <a:rPr lang="en-US" b="1" dirty="0" smtClean="0"/>
+              <a:t>3 </a:t>
+            </a:r>
+            <a:r>
+              <a:rPr lang="mr-IN" b="1" dirty="0" smtClean="0"/>
+              <a:t>–</a:t>
+            </a:r>
+            <a:r>
+              <a:rPr lang="en-US" b="1" dirty="0" smtClean="0"/>
+              <a:t> example 2</a:t>
+            </a:r>
+            <a:endParaRPr lang="en-US" dirty="0"/>
+          </a:p>
+        </p:txBody>
+      </p:sp>
+      <p:sp>
+        <p:nvSpPr>
+          <p:cNvPr id="3" name="Content Placeholder 2"/>
+          <p:cNvSpPr>
+            <a:spLocks noGrp="1"/>
+          </p:cNvSpPr>
+          <p:nvPr>
+            <p:ph idx="1"/>
+          </p:nvPr>
+        </p:nvSpPr>
+        <p:spPr/>
+        <p:txBody>
+          <a:bodyPr/>
+          <a:lstStyle/>
+          <a:p>
+            <a:r>
+              <a:rPr lang="en-US" b="1" dirty="0" err="1" smtClean="0"/>
+              <a:t>values</a:t>
+            </a:r>
+            <a:r>
+              <a:rPr lang="en-US" b="1" dirty="0" err="1" smtClean="0"/>
+              <a:t>.yaml</a:t>
+            </a:r>
+            <a:endParaRPr lang="en-US" b="1" dirty="0"/>
+          </a:p>
+        </p:txBody>
+      </p:sp>
+      <p:pic>
+        <p:nvPicPr>
+          <p:cNvPr id="5" name="Picture 4"/>
+          <p:cNvPicPr>
+            <a:picLocks noChangeAspect="1"/>
+          </p:cNvPicPr>
+          <p:nvPr/>
+        </p:nvPicPr>
+        <p:blipFill>
+          <a:blip r:embed="rId2"/>
+          <a:stretch>
+            <a:fillRect/>
+          </a:stretch>
+        </p:blipFill>
+        <p:spPr>
+          <a:xfrm>
+            <a:off x="6295952" y="1662167"/>
+            <a:ext cx="5805833" cy="4678254"/>
+          </a:xfrm>
+          <a:prstGeom prst="rect">
+            <a:avLst/>
+          </a:prstGeom>
+        </p:spPr>
+      </p:pic>
+    </p:spTree>
+    <p:extLst>
+      <p:ext uri="{BB962C8B-B14F-4D97-AF65-F5344CB8AC3E}">
+        <p14:creationId xmlns:p14="http://schemas.microsoft.com/office/powerpoint/2010/main" val="1171195488"/>
+      </p:ext>
+    </p:extLst>
+  </p:cSld>
+  <p:clrMapOvr>
+    <a:masterClrMapping/>
+  </p:clrMapOvr>
+  <p:timing>
+    <p:tnLst>
+      <p:par>
+        <p:cTn id="1" dur="indefinite" restart="never" nodeType="tmRoot"/>
+      </p:par>
+    </p:tnLst>
+  </p:timing>
+</p:sld>
+</file>
+
 <file path=ppt/slides/slide3.xml><?xml version="1.0" encoding="utf-8"?>
 <p:sld xmlns:a="http://schemas.openxmlformats.org/drawingml/2006/main" xmlns:r="http://schemas.openxmlformats.org/officeDocument/2006/relationships" xmlns:p="http://schemas.openxmlformats.org/presentationml/2006/main">
   <p:cSld>
